--- a/slides/ideas-Dec22.pptx
+++ b/slides/ideas-Dec22.pptx
@@ -6,9 +6,11 @@
   </p:sldMasterIdLst>
   <p:sldIdLst>
     <p:sldId id="256" r:id="rId2"/>
-    <p:sldId id="257" r:id="rId3"/>
-    <p:sldId id="258" r:id="rId4"/>
-    <p:sldId id="259" r:id="rId5"/>
+    <p:sldId id="261" r:id="rId3"/>
+    <p:sldId id="257" r:id="rId4"/>
+    <p:sldId id="258" r:id="rId5"/>
+    <p:sldId id="259" r:id="rId6"/>
+    <p:sldId id="260" r:id="rId7"/>
   </p:sldIdLst>
   <p:sldSz cx="12192000" cy="6858000"/>
   <p:notesSz cx="6858000" cy="9144000"/>
@@ -3438,7 +3440,7 @@
           <p:cNvPr id="2" name="Title 1">
             <a:extLst>
               <a:ext uri="{FF2B5EF4-FFF2-40B4-BE49-F238E27FC236}">
-                <a16:creationId xmlns:a16="http://schemas.microsoft.com/office/drawing/2014/main" id="{972F3DE6-A201-35FF-7439-1D643ACA7528}"/>
+                <a16:creationId xmlns:a16="http://schemas.microsoft.com/office/drawing/2014/main" id="{08C7369F-6F56-202B-906F-EF78EE990515}"/>
               </a:ext>
             </a:extLst>
           </p:cNvPr>
@@ -3456,7 +3458,522 @@
           <a:p>
             <a:r>
               <a:rPr lang="en-US" dirty="0"/>
-              <a:t>Small Models</a:t>
+              <a:t>”Core” Instantiations – Small Models</a:t>
+            </a:r>
+          </a:p>
+        </p:txBody>
+      </p:sp>
+      <p:sp>
+        <p:nvSpPr>
+          <p:cNvPr id="4" name="Snip and Round Single Corner of Rectangle 3">
+            <a:extLst>
+              <a:ext uri="{FF2B5EF4-FFF2-40B4-BE49-F238E27FC236}">
+                <a16:creationId xmlns:a16="http://schemas.microsoft.com/office/drawing/2014/main" id="{710C7646-5FAB-6DDB-637C-41367384274A}"/>
+              </a:ext>
+            </a:extLst>
+          </p:cNvPr>
+          <p:cNvSpPr/>
+          <p:nvPr/>
+        </p:nvSpPr>
+        <p:spPr>
+          <a:xfrm>
+            <a:off x="1965251" y="2103437"/>
+            <a:ext cx="2532320" cy="1325563"/>
+          </a:xfrm>
+          <a:prstGeom prst="snipRoundRect">
+            <a:avLst/>
+          </a:prstGeom>
+        </p:spPr>
+        <p:style>
+          <a:lnRef idx="2">
+            <a:schemeClr val="accent2">
+              <a:shade val="50000"/>
+            </a:schemeClr>
+          </a:lnRef>
+          <a:fillRef idx="1">
+            <a:schemeClr val="accent2"/>
+          </a:fillRef>
+          <a:effectRef idx="0">
+            <a:schemeClr val="accent2"/>
+          </a:effectRef>
+          <a:fontRef idx="minor">
+            <a:schemeClr val="lt1"/>
+          </a:fontRef>
+        </p:style>
+        <p:txBody>
+          <a:bodyPr rtlCol="0" anchor="ctr"/>
+          <a:lstStyle/>
+          <a:p>
+            <a:pPr marL="342900" indent="-342900">
+              <a:buFont typeface="Arial" panose="020B0604020202020204" pitchFamily="34" charset="0"/>
+              <a:buChar char="•"/>
+            </a:pPr>
+            <a:r>
+              <a:rPr lang="en-US" dirty="0"/>
+              <a:t>QF part</a:t>
+            </a:r>
+          </a:p>
+          <a:p>
+            <a:pPr marL="342900" indent="-342900">
+              <a:buFont typeface="Arial" panose="020B0604020202020204" pitchFamily="34" charset="0"/>
+              <a:buChar char="•"/>
+            </a:pPr>
+            <a:r>
+              <a:rPr lang="en-US" dirty="0"/>
+              <a:t>Main (QF) Assert</a:t>
+            </a:r>
+          </a:p>
+          <a:p>
+            <a:pPr marL="342900" indent="-342900">
+              <a:buFont typeface="Arial" panose="020B0604020202020204" pitchFamily="34" charset="0"/>
+              <a:buChar char="•"/>
+            </a:pPr>
+            <a:r>
+              <a:rPr lang="en-US" dirty="0"/>
+              <a:t>Instantiations</a:t>
+            </a:r>
+          </a:p>
+        </p:txBody>
+      </p:sp>
+      <p:sp>
+        <p:nvSpPr>
+          <p:cNvPr id="5" name="Snip and Round Single Corner of Rectangle 4">
+            <a:extLst>
+              <a:ext uri="{FF2B5EF4-FFF2-40B4-BE49-F238E27FC236}">
+                <a16:creationId xmlns:a16="http://schemas.microsoft.com/office/drawing/2014/main" id="{D6F816DF-F355-7225-7A4F-60CDA461C726}"/>
+              </a:ext>
+            </a:extLst>
+          </p:cNvPr>
+          <p:cNvSpPr/>
+          <p:nvPr/>
+        </p:nvSpPr>
+        <p:spPr>
+          <a:xfrm>
+            <a:off x="1965250" y="4754563"/>
+            <a:ext cx="2532321" cy="1325563"/>
+          </a:xfrm>
+          <a:prstGeom prst="snipRoundRect">
+            <a:avLst/>
+          </a:prstGeom>
+        </p:spPr>
+        <p:style>
+          <a:lnRef idx="2">
+            <a:schemeClr val="accent2">
+              <a:shade val="50000"/>
+            </a:schemeClr>
+          </a:lnRef>
+          <a:fillRef idx="1">
+            <a:schemeClr val="accent2"/>
+          </a:fillRef>
+          <a:effectRef idx="0">
+            <a:schemeClr val="accent2"/>
+          </a:effectRef>
+          <a:fontRef idx="minor">
+            <a:schemeClr val="lt1"/>
+          </a:fontRef>
+        </p:style>
+        <p:txBody>
+          <a:bodyPr rtlCol="0" anchor="ctr"/>
+          <a:lstStyle/>
+          <a:p>
+            <a:pPr marL="342900" indent="-342900">
+              <a:buFont typeface="Arial" panose="020B0604020202020204" pitchFamily="34" charset="0"/>
+              <a:buChar char="•"/>
+            </a:pPr>
+            <a:r>
+              <a:rPr lang="en-US" dirty="0"/>
+              <a:t>Core QF part</a:t>
+            </a:r>
+          </a:p>
+          <a:p>
+            <a:pPr marL="342900" indent="-342900">
+              <a:buFont typeface="Arial" panose="020B0604020202020204" pitchFamily="34" charset="0"/>
+              <a:buChar char="•"/>
+            </a:pPr>
+            <a:r>
+              <a:rPr lang="en-US" dirty="0"/>
+              <a:t>Main (QF) Assert</a:t>
+            </a:r>
+          </a:p>
+          <a:p>
+            <a:pPr marL="342900" indent="-342900">
+              <a:buFont typeface="Arial" panose="020B0604020202020204" pitchFamily="34" charset="0"/>
+              <a:buChar char="•"/>
+            </a:pPr>
+            <a:r>
+              <a:rPr lang="en-US" dirty="0"/>
+              <a:t>Core Instantiations</a:t>
+            </a:r>
+          </a:p>
+        </p:txBody>
+      </p:sp>
+      <p:sp>
+        <p:nvSpPr>
+          <p:cNvPr id="6" name="Snip and Round Single Corner of Rectangle 5">
+            <a:extLst>
+              <a:ext uri="{FF2B5EF4-FFF2-40B4-BE49-F238E27FC236}">
+                <a16:creationId xmlns:a16="http://schemas.microsoft.com/office/drawing/2014/main" id="{D2C31471-434F-A71F-C863-7E6B2D5CCA3A}"/>
+              </a:ext>
+            </a:extLst>
+          </p:cNvPr>
+          <p:cNvSpPr/>
+          <p:nvPr/>
+        </p:nvSpPr>
+        <p:spPr>
+          <a:xfrm>
+            <a:off x="7005084" y="2177864"/>
+            <a:ext cx="2532320" cy="1325563"/>
+          </a:xfrm>
+          <a:prstGeom prst="snipRoundRect">
+            <a:avLst/>
+          </a:prstGeom>
+        </p:spPr>
+        <p:style>
+          <a:lnRef idx="2">
+            <a:schemeClr val="accent6">
+              <a:shade val="50000"/>
+            </a:schemeClr>
+          </a:lnRef>
+          <a:fillRef idx="1">
+            <a:schemeClr val="accent6"/>
+          </a:fillRef>
+          <a:effectRef idx="0">
+            <a:schemeClr val="accent6"/>
+          </a:effectRef>
+          <a:fontRef idx="minor">
+            <a:schemeClr val="lt1"/>
+          </a:fontRef>
+        </p:style>
+        <p:txBody>
+          <a:bodyPr rtlCol="0" anchor="ctr"/>
+          <a:lstStyle/>
+          <a:p>
+            <a:pPr marL="342900" indent="-342900">
+              <a:buFont typeface="Arial" panose="020B0604020202020204" pitchFamily="34" charset="0"/>
+              <a:buChar char="•"/>
+            </a:pPr>
+            <a:r>
+              <a:rPr lang="en-US" dirty="0"/>
+              <a:t>QF part</a:t>
+            </a:r>
+          </a:p>
+          <a:p>
+            <a:pPr marL="342900" indent="-342900">
+              <a:buFont typeface="Arial" panose="020B0604020202020204" pitchFamily="34" charset="0"/>
+              <a:buChar char="•"/>
+            </a:pPr>
+            <a:endParaRPr lang="en-US" dirty="0"/>
+          </a:p>
+          <a:p>
+            <a:pPr marL="342900" indent="-342900">
+              <a:buFont typeface="Arial" panose="020B0604020202020204" pitchFamily="34" charset="0"/>
+              <a:buChar char="•"/>
+            </a:pPr>
+            <a:r>
+              <a:rPr lang="en-US" dirty="0"/>
+              <a:t>Instantiations</a:t>
+            </a:r>
+          </a:p>
+        </p:txBody>
+      </p:sp>
+      <p:sp>
+        <p:nvSpPr>
+          <p:cNvPr id="7" name="Snip and Round Single Corner of Rectangle 6">
+            <a:extLst>
+              <a:ext uri="{FF2B5EF4-FFF2-40B4-BE49-F238E27FC236}">
+                <a16:creationId xmlns:a16="http://schemas.microsoft.com/office/drawing/2014/main" id="{09FD6551-7E56-8E78-D8FD-6A342E7BD4B2}"/>
+              </a:ext>
+            </a:extLst>
+          </p:cNvPr>
+          <p:cNvSpPr/>
+          <p:nvPr/>
+        </p:nvSpPr>
+        <p:spPr>
+          <a:xfrm>
+            <a:off x="7005083" y="4754563"/>
+            <a:ext cx="2532321" cy="1325563"/>
+          </a:xfrm>
+          <a:prstGeom prst="snipRoundRect">
+            <a:avLst/>
+          </a:prstGeom>
+        </p:spPr>
+        <p:style>
+          <a:lnRef idx="2">
+            <a:schemeClr val="accent6">
+              <a:shade val="50000"/>
+            </a:schemeClr>
+          </a:lnRef>
+          <a:fillRef idx="1">
+            <a:schemeClr val="accent6"/>
+          </a:fillRef>
+          <a:effectRef idx="0">
+            <a:schemeClr val="accent6"/>
+          </a:effectRef>
+          <a:fontRef idx="minor">
+            <a:schemeClr val="lt1"/>
+          </a:fontRef>
+        </p:style>
+        <p:txBody>
+          <a:bodyPr rtlCol="0" anchor="ctr"/>
+          <a:lstStyle/>
+          <a:p>
+            <a:pPr marL="342900" indent="-342900">
+              <a:buFont typeface="Arial" panose="020B0604020202020204" pitchFamily="34" charset="0"/>
+              <a:buChar char="•"/>
+            </a:pPr>
+            <a:r>
+              <a:rPr lang="en-US" dirty="0"/>
+              <a:t>Core QF part</a:t>
+            </a:r>
+          </a:p>
+          <a:p>
+            <a:pPr marL="342900" indent="-342900">
+              <a:buFont typeface="Arial" panose="020B0604020202020204" pitchFamily="34" charset="0"/>
+              <a:buChar char="•"/>
+            </a:pPr>
+            <a:endParaRPr lang="en-US" dirty="0"/>
+          </a:p>
+          <a:p>
+            <a:pPr marL="342900" indent="-342900">
+              <a:buFont typeface="Arial" panose="020B0604020202020204" pitchFamily="34" charset="0"/>
+              <a:buChar char="•"/>
+            </a:pPr>
+            <a:r>
+              <a:rPr lang="en-US" dirty="0"/>
+              <a:t>Core Instantiations</a:t>
+            </a:r>
+          </a:p>
+        </p:txBody>
+      </p:sp>
+      <p:sp>
+        <p:nvSpPr>
+          <p:cNvPr id="8" name="Down Arrow 7">
+            <a:extLst>
+              <a:ext uri="{FF2B5EF4-FFF2-40B4-BE49-F238E27FC236}">
+                <a16:creationId xmlns:a16="http://schemas.microsoft.com/office/drawing/2014/main" id="{1C29AB35-C53F-B513-EA55-AB65A702C361}"/>
+              </a:ext>
+            </a:extLst>
+          </p:cNvPr>
+          <p:cNvSpPr/>
+          <p:nvPr/>
+        </p:nvSpPr>
+        <p:spPr>
+          <a:xfrm>
+            <a:off x="1965250" y="3503427"/>
+            <a:ext cx="2456121" cy="1174899"/>
+          </a:xfrm>
+          <a:prstGeom prst="downArrow">
+            <a:avLst/>
+          </a:prstGeom>
+        </p:spPr>
+        <p:style>
+          <a:lnRef idx="2">
+            <a:schemeClr val="accent4">
+              <a:shade val="50000"/>
+            </a:schemeClr>
+          </a:lnRef>
+          <a:fillRef idx="1">
+            <a:schemeClr val="accent4"/>
+          </a:fillRef>
+          <a:effectRef idx="0">
+            <a:schemeClr val="accent4"/>
+          </a:effectRef>
+          <a:fontRef idx="minor">
+            <a:schemeClr val="lt1"/>
+          </a:fontRef>
+        </p:style>
+        <p:txBody>
+          <a:bodyPr rtlCol="0" anchor="ctr"/>
+          <a:lstStyle/>
+          <a:p>
+            <a:pPr algn="ctr"/>
+            <a:r>
+              <a:rPr lang="en-US" dirty="0" err="1"/>
+              <a:t>Unsat</a:t>
+            </a:r>
+            <a:r>
+              <a:rPr lang="en-US" dirty="0"/>
+              <a:t> Core</a:t>
+            </a:r>
+          </a:p>
+        </p:txBody>
+      </p:sp>
+      <p:sp>
+        <p:nvSpPr>
+          <p:cNvPr id="9" name="Right Arrow 8">
+            <a:extLst>
+              <a:ext uri="{FF2B5EF4-FFF2-40B4-BE49-F238E27FC236}">
+                <a16:creationId xmlns:a16="http://schemas.microsoft.com/office/drawing/2014/main" id="{15CA473E-6A20-BFF7-C19D-210B86BFC5EA}"/>
+              </a:ext>
+            </a:extLst>
+          </p:cNvPr>
+          <p:cNvSpPr/>
+          <p:nvPr/>
+        </p:nvSpPr>
+        <p:spPr>
+          <a:xfrm>
+            <a:off x="4867939" y="2656217"/>
+            <a:ext cx="2137144" cy="2668772"/>
+          </a:xfrm>
+          <a:prstGeom prst="rightArrow">
+            <a:avLst>
+              <a:gd name="adj1" fmla="val 69124"/>
+              <a:gd name="adj2" fmla="val 48010"/>
+            </a:avLst>
+          </a:prstGeom>
+        </p:spPr>
+        <p:style>
+          <a:lnRef idx="2">
+            <a:schemeClr val="accent1">
+              <a:shade val="50000"/>
+            </a:schemeClr>
+          </a:lnRef>
+          <a:fillRef idx="1">
+            <a:schemeClr val="accent1"/>
+          </a:fillRef>
+          <a:effectRef idx="0">
+            <a:schemeClr val="accent1"/>
+          </a:effectRef>
+          <a:fontRef idx="minor">
+            <a:schemeClr val="lt1"/>
+          </a:fontRef>
+        </p:style>
+        <p:txBody>
+          <a:bodyPr rtlCol="0" anchor="ctr"/>
+          <a:lstStyle/>
+          <a:p>
+            <a:pPr algn="ctr"/>
+            <a:r>
+              <a:rPr lang="en-US" dirty="0"/>
+              <a:t>Remove Main Assert</a:t>
+            </a:r>
+          </a:p>
+        </p:txBody>
+      </p:sp>
+      <p:sp>
+        <p:nvSpPr>
+          <p:cNvPr id="10" name="TextBox 9">
+            <a:extLst>
+              <a:ext uri="{FF2B5EF4-FFF2-40B4-BE49-F238E27FC236}">
+                <a16:creationId xmlns:a16="http://schemas.microsoft.com/office/drawing/2014/main" id="{B5142D3C-FC7A-D988-0084-D717C60C0A41}"/>
+              </a:ext>
+            </a:extLst>
+          </p:cNvPr>
+          <p:cNvSpPr txBox="1"/>
+          <p:nvPr/>
+        </p:nvSpPr>
+        <p:spPr>
+          <a:xfrm>
+            <a:off x="2541432" y="1398300"/>
+            <a:ext cx="1303755" cy="584775"/>
+          </a:xfrm>
+          <a:prstGeom prst="rect">
+            <a:avLst/>
+          </a:prstGeom>
+          <a:noFill/>
+        </p:spPr>
+        <p:txBody>
+          <a:bodyPr wrap="none" rtlCol="0">
+            <a:spAutoFit/>
+          </a:bodyPr>
+          <a:lstStyle/>
+          <a:p>
+            <a:r>
+              <a:rPr lang="en-US" sz="3200" dirty="0"/>
+              <a:t>UNSAT</a:t>
+            </a:r>
+          </a:p>
+        </p:txBody>
+      </p:sp>
+      <p:sp>
+        <p:nvSpPr>
+          <p:cNvPr id="11" name="TextBox 10">
+            <a:extLst>
+              <a:ext uri="{FF2B5EF4-FFF2-40B4-BE49-F238E27FC236}">
+                <a16:creationId xmlns:a16="http://schemas.microsoft.com/office/drawing/2014/main" id="{BF96C6AA-8AE3-430A-7B97-4EE1B27141EC}"/>
+              </a:ext>
+            </a:extLst>
+          </p:cNvPr>
+          <p:cNvSpPr txBox="1"/>
+          <p:nvPr/>
+        </p:nvSpPr>
+        <p:spPr>
+          <a:xfrm>
+            <a:off x="7883060" y="1481567"/>
+            <a:ext cx="776366" cy="584775"/>
+          </a:xfrm>
+          <a:prstGeom prst="rect">
+            <a:avLst/>
+          </a:prstGeom>
+          <a:noFill/>
+        </p:spPr>
+        <p:txBody>
+          <a:bodyPr wrap="none" rtlCol="0">
+            <a:spAutoFit/>
+          </a:bodyPr>
+          <a:lstStyle/>
+          <a:p>
+            <a:r>
+              <a:rPr lang="en-US" sz="3200" dirty="0"/>
+              <a:t>SAT</a:t>
+            </a:r>
+          </a:p>
+        </p:txBody>
+      </p:sp>
+    </p:spTree>
+    <p:extLst>
+      <p:ext uri="{BB962C8B-B14F-4D97-AF65-F5344CB8AC3E}">
+        <p14:creationId xmlns:p14="http://schemas.microsoft.com/office/powerpoint/2010/main" val="2972101891"/>
+      </p:ext>
+    </p:extLst>
+  </p:cSld>
+  <p:clrMapOvr>
+    <a:masterClrMapping/>
+  </p:clrMapOvr>
+</p:sld>
+</file>
+
+<file path=ppt/slides/slide3.xml><?xml version="1.0" encoding="utf-8"?>
+<p:sld xmlns:a="http://schemas.openxmlformats.org/drawingml/2006/main" xmlns:r="http://schemas.openxmlformats.org/officeDocument/2006/relationships" xmlns:p="http://schemas.openxmlformats.org/presentationml/2006/main">
+  <p:cSld>
+    <p:spTree>
+      <p:nvGrpSpPr>
+        <p:cNvPr id="1" name=""/>
+        <p:cNvGrpSpPr/>
+        <p:nvPr/>
+      </p:nvGrpSpPr>
+      <p:grpSpPr>
+        <a:xfrm>
+          <a:off x="0" y="0"/>
+          <a:ext cx="0" cy="0"/>
+          <a:chOff x="0" y="0"/>
+          <a:chExt cx="0" cy="0"/>
+        </a:xfrm>
+      </p:grpSpPr>
+      <p:sp>
+        <p:nvSpPr>
+          <p:cNvPr id="2" name="Title 1">
+            <a:extLst>
+              <a:ext uri="{FF2B5EF4-FFF2-40B4-BE49-F238E27FC236}">
+                <a16:creationId xmlns:a16="http://schemas.microsoft.com/office/drawing/2014/main" id="{972F3DE6-A201-35FF-7439-1D643ACA7528}"/>
+              </a:ext>
+            </a:extLst>
+          </p:cNvPr>
+          <p:cNvSpPr>
+            <a:spLocks noGrp="1"/>
+          </p:cNvSpPr>
+          <p:nvPr>
+            <p:ph type="title"/>
+          </p:nvPr>
+        </p:nvSpPr>
+        <p:spPr/>
+        <p:txBody>
+          <a:bodyPr/>
+          <a:lstStyle/>
+          <a:p>
+            <a:r>
+              <a:rPr lang="en-US" dirty="0"/>
+              <a:t>Motivating Results</a:t>
             </a:r>
           </a:p>
         </p:txBody>
@@ -3477,14 +3994,14 @@
             <p:ph idx="1"/>
             <p:extLst>
               <p:ext uri="{D42A27DB-BD31-4B8C-83A1-F6EECF244321}">
-                <p14:modId xmlns:p14="http://schemas.microsoft.com/office/powerpoint/2010/main" val="2567061686"/>
+                <p14:modId xmlns:p14="http://schemas.microsoft.com/office/powerpoint/2010/main" val="3526521827"/>
               </p:ext>
             </p:extLst>
           </p:nvPr>
         </p:nvGraphicFramePr>
         <p:xfrm>
-          <a:off x="838199" y="1825625"/>
-          <a:ext cx="10515600" cy="1854200"/>
+          <a:off x="838200" y="1690688"/>
+          <a:ext cx="10515603" cy="4297680"/>
         </p:xfrm>
         <a:graphic>
           <a:graphicData uri="http://schemas.openxmlformats.org/drawingml/2006/table">
@@ -3493,21 +4010,49 @@
                 <a:tableStyleId>{5C22544A-7EE6-4342-B048-85BDC9FD1C3A}</a:tableStyleId>
               </a:tblPr>
               <a:tblGrid>
-                <a:gridCol w="3505200">
+                <a:gridCol w="1502229">
                   <a:extLst>
                     <a:ext uri="{9D8B030D-6E8A-4147-A177-3AD203B41FA5}">
                       <a16:colId xmlns:a16="http://schemas.microsoft.com/office/drawing/2014/main" val="185992534"/>
                     </a:ext>
                   </a:extLst>
                 </a:gridCol>
-                <a:gridCol w="3505200">
+                <a:gridCol w="1502229">
+                  <a:extLst>
+                    <a:ext uri="{9D8B030D-6E8A-4147-A177-3AD203B41FA5}">
+                      <a16:colId xmlns:a16="http://schemas.microsoft.com/office/drawing/2014/main" val="1996837455"/>
+                    </a:ext>
+                  </a:extLst>
+                </a:gridCol>
+                <a:gridCol w="1502229">
+                  <a:extLst>
+                    <a:ext uri="{9D8B030D-6E8A-4147-A177-3AD203B41FA5}">
+                      <a16:colId xmlns:a16="http://schemas.microsoft.com/office/drawing/2014/main" val="1693697935"/>
+                    </a:ext>
+                  </a:extLst>
+                </a:gridCol>
+                <a:gridCol w="1502229">
                   <a:extLst>
                     <a:ext uri="{9D8B030D-6E8A-4147-A177-3AD203B41FA5}">
                       <a16:colId xmlns:a16="http://schemas.microsoft.com/office/drawing/2014/main" val="1375087083"/>
                     </a:ext>
                   </a:extLst>
                 </a:gridCol>
-                <a:gridCol w="3505200">
+                <a:gridCol w="1502229">
+                  <a:extLst>
+                    <a:ext uri="{9D8B030D-6E8A-4147-A177-3AD203B41FA5}">
+                      <a16:colId xmlns:a16="http://schemas.microsoft.com/office/drawing/2014/main" val="3746767814"/>
+                    </a:ext>
+                  </a:extLst>
+                </a:gridCol>
+                <a:gridCol w="1502229">
+                  <a:extLst>
+                    <a:ext uri="{9D8B030D-6E8A-4147-A177-3AD203B41FA5}">
+                      <a16:colId xmlns:a16="http://schemas.microsoft.com/office/drawing/2014/main" val="85353703"/>
+                    </a:ext>
+                  </a:extLst>
+                </a:gridCol>
+                <a:gridCol w="1502229">
                   <a:extLst>
                     <a:ext uri="{9D8B030D-6E8A-4147-A177-3AD203B41FA5}">
                       <a16:colId xmlns:a16="http://schemas.microsoft.com/office/drawing/2014/main" val="2765258452"/>
@@ -3557,7 +4102,103 @@
                       <a:pPr algn="ctr"/>
                       <a:r>
                         <a:rPr lang="en-US" dirty="0"/>
+                        <a:t>Core Instantiations</a:t>
+                      </a:r>
+                    </a:p>
+                  </a:txBody>
+                  <a:tcPr>
+                    <a:lnT w="12700" cap="flat" cmpd="sng" algn="ctr">
+                      <a:solidFill>
+                        <a:schemeClr val="tx1"/>
+                      </a:solidFill>
+                      <a:prstDash val="solid"/>
+                      <a:round/>
+                      <a:headEnd type="none" w="med" len="med"/>
+                      <a:tailEnd type="none" w="med" len="med"/>
+                    </a:lnT>
+                  </a:tcPr>
+                </a:tc>
+                <a:tc>
+                  <a:txBody>
+                    <a:bodyPr/>
+                    <a:lstStyle/>
+                    <a:p>
+                      <a:pPr algn="ctr"/>
+                      <a:r>
+                        <a:rPr lang="en-US" dirty="0"/>
+                        <a:t>Core Instantiations Terms</a:t>
+                      </a:r>
+                    </a:p>
+                  </a:txBody>
+                  <a:tcPr>
+                    <a:lnT w="12700" cap="flat" cmpd="sng" algn="ctr">
+                      <a:solidFill>
+                        <a:schemeClr val="tx1"/>
+                      </a:solidFill>
+                      <a:prstDash val="solid"/>
+                      <a:round/>
+                      <a:headEnd type="none" w="med" len="med"/>
+                      <a:tailEnd type="none" w="med" len="med"/>
+                    </a:lnT>
+                  </a:tcPr>
+                </a:tc>
+                <a:tc>
+                  <a:txBody>
+                    <a:bodyPr/>
+                    <a:lstStyle/>
+                    <a:p>
+                      <a:pPr algn="ctr"/>
+                      <a:r>
+                        <a:rPr lang="en-US" dirty="0"/>
                         <a:t>Core Instantiations Model Size</a:t>
+                      </a:r>
+                    </a:p>
+                  </a:txBody>
+                  <a:tcPr>
+                    <a:lnT w="12700" cap="flat" cmpd="sng" algn="ctr">
+                      <a:solidFill>
+                        <a:schemeClr val="tx1"/>
+                      </a:solidFill>
+                      <a:prstDash val="solid"/>
+                      <a:round/>
+                      <a:headEnd type="none" w="med" len="med"/>
+                      <a:tailEnd type="none" w="med" len="med"/>
+                    </a:lnT>
+                  </a:tcPr>
+                </a:tc>
+                <a:tc>
+                  <a:txBody>
+                    <a:bodyPr/>
+                    <a:lstStyle/>
+                    <a:p>
+                      <a:pPr algn="ctr"/>
+                      <a:r>
+                        <a:rPr lang="en-US" dirty="0"/>
+                        <a:t>All Instantiations</a:t>
+                      </a:r>
+                    </a:p>
+                  </a:txBody>
+                  <a:tcPr>
+                    <a:lnT w="12700" cap="flat" cmpd="sng" algn="ctr">
+                      <a:solidFill>
+                        <a:schemeClr val="tx1"/>
+                      </a:solidFill>
+                      <a:prstDash val="solid"/>
+                      <a:round/>
+                      <a:headEnd type="none" w="med" len="med"/>
+                      <a:tailEnd type="none" w="med" len="med"/>
+                    </a:lnT>
+                  </a:tcPr>
+                </a:tc>
+                <a:tc>
+                  <a:txBody>
+                    <a:bodyPr/>
+                    <a:lstStyle/>
+                    <a:p>
+                      <a:pPr algn="ctr"/>
+                      <a:r>
+                        <a:rPr lang="en-US" dirty="0"/>
+                        <a:t>All Instantiations Terms</a:t>
                       </a:r>
                     </a:p>
                   </a:txBody>
@@ -3645,7 +4286,63 @@
                       <a:pPr algn="ctr"/>
                       <a:r>
                         <a:rPr lang="en-US" dirty="0"/>
+                        <a:t>137</a:t>
+                      </a:r>
+                    </a:p>
+                  </a:txBody>
+                  <a:tcPr/>
+                </a:tc>
+                <a:tc>
+                  <a:txBody>
+                    <a:bodyPr/>
+                    <a:lstStyle/>
+                    <a:p>
+                      <a:pPr algn="ctr"/>
+                      <a:r>
+                        <a:rPr lang="en-US" dirty="0"/>
+                        <a:t>413</a:t>
+                      </a:r>
+                    </a:p>
+                  </a:txBody>
+                  <a:tcPr/>
+                </a:tc>
+                <a:tc>
+                  <a:txBody>
+                    <a:bodyPr/>
+                    <a:lstStyle/>
+                    <a:p>
+                      <a:pPr algn="ctr"/>
+                      <a:r>
+                        <a:rPr lang="en-US" dirty="0"/>
                         <a:t>2</a:t>
+                      </a:r>
+                    </a:p>
+                  </a:txBody>
+                  <a:tcPr/>
+                </a:tc>
+                <a:tc>
+                  <a:txBody>
+                    <a:bodyPr/>
+                    <a:lstStyle/>
+                    <a:p>
+                      <a:pPr algn="ctr"/>
+                      <a:r>
+                        <a:rPr lang="en-US" dirty="0"/>
+                        <a:t>2557</a:t>
+                      </a:r>
+                    </a:p>
+                  </a:txBody>
+                  <a:tcPr/>
+                </a:tc>
+                <a:tc>
+                  <a:txBody>
+                    <a:bodyPr/>
+                    <a:lstStyle/>
+                    <a:p>
+                      <a:pPr algn="ctr"/>
+                      <a:r>
+                        <a:rPr lang="en-US" dirty="0"/>
+                        <a:t>3504</a:t>
                       </a:r>
                     </a:p>
                   </a:txBody>
@@ -3714,7 +4411,63 @@
                       <a:pPr algn="ctr"/>
                       <a:r>
                         <a:rPr lang="en-US" dirty="0"/>
+                        <a:t>15</a:t>
+                      </a:r>
+                    </a:p>
+                  </a:txBody>
+                  <a:tcPr/>
+                </a:tc>
+                <a:tc>
+                  <a:txBody>
+                    <a:bodyPr/>
+                    <a:lstStyle/>
+                    <a:p>
+                      <a:pPr algn="ctr"/>
+                      <a:r>
+                        <a:rPr lang="en-US" dirty="0"/>
+                        <a:t>82</a:t>
+                      </a:r>
+                    </a:p>
+                  </a:txBody>
+                  <a:tcPr/>
+                </a:tc>
+                <a:tc>
+                  <a:txBody>
+                    <a:bodyPr/>
+                    <a:lstStyle/>
+                    <a:p>
+                      <a:pPr algn="ctr"/>
+                      <a:r>
+                        <a:rPr lang="en-US" dirty="0"/>
                         <a:t>1</a:t>
+                      </a:r>
+                    </a:p>
+                  </a:txBody>
+                  <a:tcPr/>
+                </a:tc>
+                <a:tc>
+                  <a:txBody>
+                    <a:bodyPr/>
+                    <a:lstStyle/>
+                    <a:p>
+                      <a:pPr algn="ctr"/>
+                      <a:r>
+                        <a:rPr lang="en-US" dirty="0"/>
+                        <a:t>115</a:t>
+                      </a:r>
+                    </a:p>
+                  </a:txBody>
+                  <a:tcPr/>
+                </a:tc>
+                <a:tc>
+                  <a:txBody>
+                    <a:bodyPr/>
+                    <a:lstStyle/>
+                    <a:p>
+                      <a:pPr algn="ctr"/>
+                      <a:r>
+                        <a:rPr lang="en-US" dirty="0"/>
+                        <a:t>460</a:t>
                       </a:r>
                     </a:p>
                   </a:txBody>
@@ -3783,7 +4536,63 @@
                       <a:pPr algn="ctr"/>
                       <a:r>
                         <a:rPr lang="en-US" dirty="0"/>
+                        <a:t>132</a:t>
+                      </a:r>
+                    </a:p>
+                  </a:txBody>
+                  <a:tcPr/>
+                </a:tc>
+                <a:tc>
+                  <a:txBody>
+                    <a:bodyPr/>
+                    <a:lstStyle/>
+                    <a:p>
+                      <a:pPr marL="0" algn="ctr" defTabSz="914400" rtl="0" eaLnBrk="1" latinLnBrk="0" hangingPunct="1"/>
+                      <a:r>
+                        <a:rPr lang="en-US" dirty="0"/>
+                        <a:t>351</a:t>
+                      </a:r>
+                    </a:p>
+                  </a:txBody>
+                  <a:tcPr/>
+                </a:tc>
+                <a:tc>
+                  <a:txBody>
+                    <a:bodyPr/>
+                    <a:lstStyle/>
+                    <a:p>
+                      <a:pPr algn="ctr"/>
+                      <a:r>
+                        <a:rPr lang="en-US" dirty="0"/>
                         <a:t>3</a:t>
+                      </a:r>
+                    </a:p>
+                  </a:txBody>
+                  <a:tcPr/>
+                </a:tc>
+                <a:tc>
+                  <a:txBody>
+                    <a:bodyPr/>
+                    <a:lstStyle/>
+                    <a:p>
+                      <a:pPr algn="ctr"/>
+                      <a:r>
+                        <a:rPr lang="en-US" dirty="0"/>
+                        <a:t>577</a:t>
+                      </a:r>
+                    </a:p>
+                  </a:txBody>
+                  <a:tcPr/>
+                </a:tc>
+                <a:tc>
+                  <a:txBody>
+                    <a:bodyPr/>
+                    <a:lstStyle/>
+                    <a:p>
+                      <a:pPr marL="0" algn="ctr" defTabSz="914400" rtl="1" eaLnBrk="1" latinLnBrk="0" hangingPunct="1"/>
+                      <a:r>
+                        <a:rPr lang="en-US" dirty="0"/>
+                        <a:t>1641</a:t>
                       </a:r>
                     </a:p>
                   </a:txBody>
@@ -3861,7 +4670,103 @@
                       <a:pPr algn="ctr"/>
                       <a:r>
                         <a:rPr lang="en-US" dirty="0"/>
+                        <a:t>157</a:t>
+                      </a:r>
+                    </a:p>
+                  </a:txBody>
+                  <a:tcPr>
+                    <a:lnB w="12700" cap="flat" cmpd="sng" algn="ctr">
+                      <a:solidFill>
+                        <a:schemeClr val="tx1"/>
+                      </a:solidFill>
+                      <a:prstDash val="solid"/>
+                      <a:round/>
+                      <a:headEnd type="none" w="med" len="med"/>
+                      <a:tailEnd type="none" w="med" len="med"/>
+                    </a:lnB>
+                  </a:tcPr>
+                </a:tc>
+                <a:tc>
+                  <a:txBody>
+                    <a:bodyPr/>
+                    <a:lstStyle/>
+                    <a:p>
+                      <a:pPr algn="ctr"/>
+                      <a:r>
+                        <a:rPr lang="en-US" dirty="0"/>
+                        <a:t>428</a:t>
+                      </a:r>
+                    </a:p>
+                  </a:txBody>
+                  <a:tcPr>
+                    <a:lnB w="12700" cap="flat" cmpd="sng" algn="ctr">
+                      <a:solidFill>
+                        <a:schemeClr val="tx1"/>
+                      </a:solidFill>
+                      <a:prstDash val="solid"/>
+                      <a:round/>
+                      <a:headEnd type="none" w="med" len="med"/>
+                      <a:tailEnd type="none" w="med" len="med"/>
+                    </a:lnB>
+                  </a:tcPr>
+                </a:tc>
+                <a:tc>
+                  <a:txBody>
+                    <a:bodyPr/>
+                    <a:lstStyle/>
+                    <a:p>
+                      <a:pPr algn="ctr"/>
+                      <a:r>
+                        <a:rPr lang="en-US" dirty="0"/>
                         <a:t>2</a:t>
+                      </a:r>
+                    </a:p>
+                  </a:txBody>
+                  <a:tcPr>
+                    <a:lnB w="12700" cap="flat" cmpd="sng" algn="ctr">
+                      <a:solidFill>
+                        <a:schemeClr val="tx1"/>
+                      </a:solidFill>
+                      <a:prstDash val="solid"/>
+                      <a:round/>
+                      <a:headEnd type="none" w="med" len="med"/>
+                      <a:tailEnd type="none" w="med" len="med"/>
+                    </a:lnB>
+                  </a:tcPr>
+                </a:tc>
+                <a:tc>
+                  <a:txBody>
+                    <a:bodyPr/>
+                    <a:lstStyle/>
+                    <a:p>
+                      <a:pPr algn="ctr"/>
+                      <a:r>
+                        <a:rPr lang="en-US" dirty="0"/>
+                        <a:t>1001</a:t>
+                      </a:r>
+                    </a:p>
+                  </a:txBody>
+                  <a:tcPr>
+                    <a:lnB w="12700" cap="flat" cmpd="sng" algn="ctr">
+                      <a:solidFill>
+                        <a:schemeClr val="tx1"/>
+                      </a:solidFill>
+                      <a:prstDash val="solid"/>
+                      <a:round/>
+                      <a:headEnd type="none" w="med" len="med"/>
+                      <a:tailEnd type="none" w="med" len="med"/>
+                    </a:lnB>
+                  </a:tcPr>
+                </a:tc>
+                <a:tc>
+                  <a:txBody>
+                    <a:bodyPr/>
+                    <a:lstStyle/>
+                    <a:p>
+                      <a:pPr algn="ctr"/>
+                      <a:r>
+                        <a:rPr lang="en-US" dirty="0"/>
+                        <a:t>1851</a:t>
                       </a:r>
                     </a:p>
                   </a:txBody>
@@ -3936,8 +4841,8 @@
             </p:nvSpPr>
             <p:spPr>
               <a:xfrm>
-                <a:off x="838199" y="3906983"/>
-                <a:ext cx="7238777" cy="461665"/>
+                <a:off x="1553891" y="6155716"/>
+                <a:ext cx="9084218" cy="461665"/>
               </a:xfrm>
               <a:prstGeom prst="rect">
                 <a:avLst/>
@@ -3962,7 +4867,7 @@
                 </a14:m>
                 <a:r>
                   <a:rPr lang="en-US" sz="2400" dirty="0"/>
-                  <a:t> We want instantiations that keep the model size small</a:t>
+                  <a:t> We want instantiations that use less terms and keep the model small</a:t>
                 </a:r>
               </a:p>
             </p:txBody>
@@ -3985,8 +4890,8 @@
             </p:nvSpPr>
             <p:spPr>
               <a:xfrm>
-                <a:off x="838199" y="3906983"/>
-                <a:ext cx="7238777" cy="461665"/>
+                <a:off x="1553891" y="6155716"/>
+                <a:ext cx="9084218" cy="461665"/>
               </a:xfrm>
               <a:prstGeom prst="rect">
                 <a:avLst/>
@@ -3994,7 +4899,7 @@
               <a:blipFill>
                 <a:blip r:embed="rId2"/>
                 <a:stretch>
-                  <a:fillRect t="-7895" r="-350" b="-28947"/>
+                  <a:fillRect t="-7895" r="-140" b="-26316"/>
                 </a:stretch>
               </a:blipFill>
             </p:spPr>
@@ -4026,7 +4931,7 @@
 </p:sld>
 </file>
 
-<file path=ppt/slides/slide3.xml><?xml version="1.0" encoding="utf-8"?>
+<file path=ppt/slides/slide4.xml><?xml version="1.0" encoding="utf-8"?>
 <p:sld xmlns:a="http://schemas.openxmlformats.org/drawingml/2006/main" xmlns:r="http://schemas.openxmlformats.org/officeDocument/2006/relationships" xmlns:p="http://schemas.openxmlformats.org/presentationml/2006/main">
   <p:cSld>
     <p:spTree>
@@ -4076,8 +4981,8 @@
           </a:p>
         </p:txBody>
       </p:sp>
-      <mc:AlternateContent xmlns:mc="http://schemas.openxmlformats.org/markup-compatibility/2006">
-        <mc:Choice xmlns:a14="http://schemas.microsoft.com/office/drawing/2010/main" Requires="a14">
+      <mc:AlternateContent xmlns:mc="http://schemas.openxmlformats.org/markup-compatibility/2006" xmlns:a14="http://schemas.microsoft.com/office/drawing/2010/main">
+        <mc:Choice Requires="a14">
           <p:sp>
             <p:nvSpPr>
               <p:cNvPr id="5" name="Rounded Rectangle 4">
@@ -4207,7 +5112,7 @@
             </p:txBody>
           </p:sp>
         </mc:Choice>
-        <mc:Fallback>
+        <mc:Fallback xmlns="">
           <p:sp>
             <p:nvSpPr>
               <p:cNvPr id="5" name="Rounded Rectangle 4">
@@ -4252,8 +5157,8 @@
           </p:sp>
         </mc:Fallback>
       </mc:AlternateContent>
-      <mc:AlternateContent xmlns:mc="http://schemas.openxmlformats.org/markup-compatibility/2006">
-        <mc:Choice xmlns:a14="http://schemas.microsoft.com/office/drawing/2010/main" Requires="a14">
+      <mc:AlternateContent xmlns:mc="http://schemas.openxmlformats.org/markup-compatibility/2006" xmlns:a14="http://schemas.microsoft.com/office/drawing/2010/main">
+        <mc:Choice Requires="a14">
           <p:sp>
             <p:nvSpPr>
               <p:cNvPr id="6" name="Oval 5">
@@ -4335,7 +5240,7 @@
             </p:txBody>
           </p:sp>
         </mc:Choice>
-        <mc:Fallback>
+        <mc:Fallback xmlns="">
           <p:sp>
             <p:nvSpPr>
               <p:cNvPr id="6" name="Oval 5">
@@ -4380,8 +5285,8 @@
           </p:sp>
         </mc:Fallback>
       </mc:AlternateContent>
-      <mc:AlternateContent xmlns:mc="http://schemas.openxmlformats.org/markup-compatibility/2006">
-        <mc:Choice xmlns:a14="http://schemas.microsoft.com/office/drawing/2010/main" Requires="a14">
+      <mc:AlternateContent xmlns:mc="http://schemas.openxmlformats.org/markup-compatibility/2006" xmlns:a14="http://schemas.microsoft.com/office/drawing/2010/main">
+        <mc:Choice Requires="a14">
           <p:sp>
             <p:nvSpPr>
               <p:cNvPr id="7" name="Oval 6">
@@ -4463,7 +5368,7 @@
             </p:txBody>
           </p:sp>
         </mc:Choice>
-        <mc:Fallback>
+        <mc:Fallback xmlns="">
           <p:sp>
             <p:nvSpPr>
               <p:cNvPr id="7" name="Oval 6">
@@ -4589,8 +5494,8 @@
           </a:p>
         </p:txBody>
       </p:sp>
-      <mc:AlternateContent xmlns:mc="http://schemas.openxmlformats.org/markup-compatibility/2006">
-        <mc:Choice xmlns:a14="http://schemas.microsoft.com/office/drawing/2010/main" Requires="a14">
+      <mc:AlternateContent xmlns:mc="http://schemas.openxmlformats.org/markup-compatibility/2006" xmlns:a14="http://schemas.microsoft.com/office/drawing/2010/main">
+        <mc:Choice Requires="a14">
           <p:sp>
             <p:nvSpPr>
               <p:cNvPr id="10" name="Rounded Rectangle 9">
@@ -4672,7 +5577,7 @@
             </p:txBody>
           </p:sp>
         </mc:Choice>
-        <mc:Fallback>
+        <mc:Fallback xmlns="">
           <p:sp>
             <p:nvSpPr>
               <p:cNvPr id="10" name="Rounded Rectangle 9">
@@ -4717,8 +5622,8 @@
           </p:sp>
         </mc:Fallback>
       </mc:AlternateContent>
-      <mc:AlternateContent xmlns:mc="http://schemas.openxmlformats.org/markup-compatibility/2006">
-        <mc:Choice xmlns:a14="http://schemas.microsoft.com/office/drawing/2010/main" Requires="a14">
+      <mc:AlternateContent xmlns:mc="http://schemas.openxmlformats.org/markup-compatibility/2006" xmlns:a14="http://schemas.microsoft.com/office/drawing/2010/main">
+        <mc:Choice Requires="a14">
           <p:sp>
             <p:nvSpPr>
               <p:cNvPr id="11" name="Rounded Rectangle 10">
@@ -4800,7 +5705,7 @@
             </p:txBody>
           </p:sp>
         </mc:Choice>
-        <mc:Fallback>
+        <mc:Fallback xmlns="">
           <p:sp>
             <p:nvSpPr>
               <p:cNvPr id="11" name="Rounded Rectangle 10">
@@ -5033,8 +5938,8 @@
           </a:p>
         </p:txBody>
       </p:sp>
-      <mc:AlternateContent xmlns:mc="http://schemas.openxmlformats.org/markup-compatibility/2006">
-        <mc:Choice xmlns:a14="http://schemas.microsoft.com/office/drawing/2010/main" Requires="a14">
+      <mc:AlternateContent xmlns:mc="http://schemas.openxmlformats.org/markup-compatibility/2006" xmlns:a14="http://schemas.microsoft.com/office/drawing/2010/main">
+        <mc:Choice Requires="a14">
           <p:sp>
             <p:nvSpPr>
               <p:cNvPr id="18" name="Pentagon 17">
@@ -5159,7 +6064,7 @@
             </p:txBody>
           </p:sp>
         </mc:Choice>
-        <mc:Fallback>
+        <mc:Fallback xmlns="">
           <p:sp>
             <p:nvSpPr>
               <p:cNvPr id="18" name="Pentagon 17">
@@ -5204,8 +6109,8 @@
           </p:sp>
         </mc:Fallback>
       </mc:AlternateContent>
-      <mc:AlternateContent xmlns:mc="http://schemas.openxmlformats.org/markup-compatibility/2006">
-        <mc:Choice xmlns:a14="http://schemas.microsoft.com/office/drawing/2010/main" Requires="a14">
+      <mc:AlternateContent xmlns:mc="http://schemas.openxmlformats.org/markup-compatibility/2006" xmlns:a14="http://schemas.microsoft.com/office/drawing/2010/main">
+        <mc:Choice Requires="a14">
           <p:sp>
             <p:nvSpPr>
               <p:cNvPr id="20" name="Pentagon 19">
@@ -5357,7 +6262,7 @@
             </p:txBody>
           </p:sp>
         </mc:Choice>
-        <mc:Fallback>
+        <mc:Fallback xmlns="">
           <p:sp>
             <p:nvSpPr>
               <p:cNvPr id="20" name="Pentagon 19">
@@ -5402,8 +6307,8 @@
           </p:sp>
         </mc:Fallback>
       </mc:AlternateContent>
-      <mc:AlternateContent xmlns:mc="http://schemas.openxmlformats.org/markup-compatibility/2006">
-        <mc:Choice xmlns:a14="http://schemas.microsoft.com/office/drawing/2010/main" Requires="a14">
+      <mc:AlternateContent xmlns:mc="http://schemas.openxmlformats.org/markup-compatibility/2006" xmlns:a14="http://schemas.microsoft.com/office/drawing/2010/main">
+        <mc:Choice Requires="a14">
           <p:sp>
             <p:nvSpPr>
               <p:cNvPr id="22" name="Rectangle 21">
@@ -5565,7 +6470,7 @@
             </p:txBody>
           </p:sp>
         </mc:Choice>
-        <mc:Fallback>
+        <mc:Fallback xmlns="">
           <p:sp>
             <p:nvSpPr>
               <p:cNvPr id="22" name="Rectangle 21">
@@ -5610,8 +6515,8 @@
           </p:sp>
         </mc:Fallback>
       </mc:AlternateContent>
-      <mc:AlternateContent xmlns:mc="http://schemas.openxmlformats.org/markup-compatibility/2006">
-        <mc:Choice xmlns:a14="http://schemas.microsoft.com/office/drawing/2010/main" Requires="a14">
+      <mc:AlternateContent xmlns:mc="http://schemas.openxmlformats.org/markup-compatibility/2006" xmlns:a14="http://schemas.microsoft.com/office/drawing/2010/main">
+        <mc:Choice Requires="a14">
           <p:sp>
             <p:nvSpPr>
               <p:cNvPr id="24" name="TextBox 23">
@@ -5640,6 +6545,7 @@
               </a:bodyPr>
               <a:lstStyle/>
               <a:p>
+                <a:pPr/>
                 <a14:m>
                   <m:oMathPara xmlns:m="http://schemas.openxmlformats.org/officeDocument/2006/math">
                     <m:oMathParaPr>
@@ -5865,7 +6771,7 @@
             </p:txBody>
           </p:sp>
         </mc:Choice>
-        <mc:Fallback>
+        <mc:Fallback xmlns="">
           <p:sp>
             <p:nvSpPr>
               <p:cNvPr id="24" name="TextBox 23">
@@ -5910,8 +6816,8 @@
           </p:sp>
         </mc:Fallback>
       </mc:AlternateContent>
-      <mc:AlternateContent xmlns:mc="http://schemas.openxmlformats.org/markup-compatibility/2006">
-        <mc:Choice xmlns:a14="http://schemas.microsoft.com/office/drawing/2010/main" Requires="a14">
+      <mc:AlternateContent xmlns:mc="http://schemas.openxmlformats.org/markup-compatibility/2006" xmlns:a14="http://schemas.microsoft.com/office/drawing/2010/main">
+        <mc:Choice Requires="a14">
           <p:sp>
             <p:nvSpPr>
               <p:cNvPr id="26" name="Parallelogram 25">
@@ -6300,7 +7206,7 @@
             </p:txBody>
           </p:sp>
         </mc:Choice>
-        <mc:Fallback>
+        <mc:Fallback xmlns="">
           <p:sp>
             <p:nvSpPr>
               <p:cNvPr id="26" name="Parallelogram 25">
@@ -6345,8 +7251,8 @@
           </p:sp>
         </mc:Fallback>
       </mc:AlternateContent>
-      <mc:AlternateContent xmlns:mc="http://schemas.openxmlformats.org/markup-compatibility/2006">
-        <mc:Choice xmlns:a14="http://schemas.microsoft.com/office/drawing/2010/main" Requires="a14">
+      <mc:AlternateContent xmlns:mc="http://schemas.openxmlformats.org/markup-compatibility/2006" xmlns:a14="http://schemas.microsoft.com/office/drawing/2010/main">
+        <mc:Choice Requires="a14">
           <p:sp>
             <p:nvSpPr>
               <p:cNvPr id="27" name="TextBox 26">
@@ -6507,7 +7413,7 @@
             </p:txBody>
           </p:sp>
         </mc:Choice>
-        <mc:Fallback>
+        <mc:Fallback xmlns="">
           <p:sp>
             <p:nvSpPr>
               <p:cNvPr id="27" name="TextBox 26">
@@ -6552,8 +7458,8 @@
           </p:sp>
         </mc:Fallback>
       </mc:AlternateContent>
-      <mc:AlternateContent xmlns:mc="http://schemas.openxmlformats.org/markup-compatibility/2006">
-        <mc:Choice xmlns:a14="http://schemas.microsoft.com/office/drawing/2010/main" Requires="a14">
+      <mc:AlternateContent xmlns:mc="http://schemas.openxmlformats.org/markup-compatibility/2006" xmlns:a14="http://schemas.microsoft.com/office/drawing/2010/main">
+        <mc:Choice Requires="a14">
           <p:sp>
             <p:nvSpPr>
               <p:cNvPr id="28" name="Parallelogram 27">
@@ -6679,7 +7585,7 @@
             </p:txBody>
           </p:sp>
         </mc:Choice>
-        <mc:Fallback>
+        <mc:Fallback xmlns="">
           <p:sp>
             <p:nvSpPr>
               <p:cNvPr id="28" name="Parallelogram 27">
@@ -6807,7 +7713,7 @@
 </p:sld>
 </file>
 
-<file path=ppt/slides/slide4.xml><?xml version="1.0" encoding="utf-8"?>
+<file path=ppt/slides/slide5.xml><?xml version="1.0" encoding="utf-8"?>
 <p:sld xmlns:a="http://schemas.openxmlformats.org/drawingml/2006/main" xmlns:r="http://schemas.openxmlformats.org/officeDocument/2006/relationships" xmlns:p="http://schemas.openxmlformats.org/presentationml/2006/main">
   <p:cSld>
     <p:spTree>
@@ -6852,8 +7758,8 @@
           </a:p>
         </p:txBody>
       </p:sp>
-      <mc:AlternateContent xmlns:mc="http://schemas.openxmlformats.org/markup-compatibility/2006">
-        <mc:Choice xmlns:a14="http://schemas.microsoft.com/office/drawing/2010/main" Requires="a14">
+      <mc:AlternateContent xmlns:mc="http://schemas.openxmlformats.org/markup-compatibility/2006" xmlns:a14="http://schemas.microsoft.com/office/drawing/2010/main">
+        <mc:Choice Requires="a14">
           <p:sp>
             <p:nvSpPr>
               <p:cNvPr id="3" name="Content Placeholder 2">
@@ -7180,7 +8086,7 @@
             </p:txBody>
           </p:sp>
         </mc:Choice>
-        <mc:Fallback>
+        <mc:Fallback xmlns="">
           <p:sp>
             <p:nvSpPr>
               <p:cNvPr id="3" name="Content Placeholder 2">
@@ -7224,6 +8130,154 @@
     <p:extLst>
       <p:ext uri="{BB962C8B-B14F-4D97-AF65-F5344CB8AC3E}">
         <p14:creationId xmlns:p14="http://schemas.microsoft.com/office/powerpoint/2010/main" val="4097066342"/>
+      </p:ext>
+    </p:extLst>
+  </p:cSld>
+  <p:clrMapOvr>
+    <a:masterClrMapping/>
+  </p:clrMapOvr>
+</p:sld>
+</file>
+
+<file path=ppt/slides/slide6.xml><?xml version="1.0" encoding="utf-8"?>
+<p:sld xmlns:a="http://schemas.openxmlformats.org/drawingml/2006/main" xmlns:r="http://schemas.openxmlformats.org/officeDocument/2006/relationships" xmlns:p="http://schemas.openxmlformats.org/presentationml/2006/main">
+  <p:cSld>
+    <p:spTree>
+      <p:nvGrpSpPr>
+        <p:cNvPr id="1" name=""/>
+        <p:cNvGrpSpPr/>
+        <p:nvPr/>
+      </p:nvGrpSpPr>
+      <p:grpSpPr>
+        <a:xfrm>
+          <a:off x="0" y="0"/>
+          <a:ext cx="0" cy="0"/>
+          <a:chOff x="0" y="0"/>
+          <a:chExt cx="0" cy="0"/>
+        </a:xfrm>
+      </p:grpSpPr>
+      <p:sp>
+        <p:nvSpPr>
+          <p:cNvPr id="2" name="Title 1">
+            <a:extLst>
+              <a:ext uri="{FF2B5EF4-FFF2-40B4-BE49-F238E27FC236}">
+                <a16:creationId xmlns:a16="http://schemas.microsoft.com/office/drawing/2014/main" id="{93CE924D-84F4-48AC-859B-69661218A116}"/>
+              </a:ext>
+            </a:extLst>
+          </p:cNvPr>
+          <p:cNvSpPr>
+            <a:spLocks noGrp="1"/>
+          </p:cNvSpPr>
+          <p:nvPr>
+            <p:ph type="title"/>
+          </p:nvPr>
+        </p:nvSpPr>
+        <p:spPr/>
+        <p:txBody>
+          <a:bodyPr/>
+          <a:lstStyle/>
+          <a:p>
+            <a:r>
+              <a:rPr lang="en-US" dirty="0"/>
+              <a:t>Questions</a:t>
+            </a:r>
+          </a:p>
+        </p:txBody>
+      </p:sp>
+      <p:sp>
+        <p:nvSpPr>
+          <p:cNvPr id="3" name="Content Placeholder 2">
+            <a:extLst>
+              <a:ext uri="{FF2B5EF4-FFF2-40B4-BE49-F238E27FC236}">
+                <a16:creationId xmlns:a16="http://schemas.microsoft.com/office/drawing/2014/main" id="{5A62C482-C3F8-B855-EAD2-21FC268670F9}"/>
+              </a:ext>
+            </a:extLst>
+          </p:cNvPr>
+          <p:cNvSpPr>
+            <a:spLocks noGrp="1"/>
+          </p:cNvSpPr>
+          <p:nvPr>
+            <p:ph idx="1"/>
+          </p:nvPr>
+        </p:nvSpPr>
+        <p:spPr/>
+        <p:txBody>
+          <a:bodyPr/>
+          <a:lstStyle/>
+          <a:p>
+            <a:r>
+              <a:rPr lang="en-US" dirty="0"/>
+              <a:t>What do you think of this scheme of using ADTs?</a:t>
+            </a:r>
+          </a:p>
+          <a:p>
+            <a:r>
+              <a:rPr lang="en-US" dirty="0"/>
+              <a:t>How to enforce a small model for all instantiations?</a:t>
+            </a:r>
+          </a:p>
+          <a:p>
+            <a:pPr lvl="1"/>
+            <a:r>
+              <a:rPr lang="en-US" dirty="0"/>
+              <a:t>CEGAR loop</a:t>
+            </a:r>
+          </a:p>
+          <a:p>
+            <a:pPr lvl="1"/>
+            <a:r>
+              <a:rPr lang="en-US" dirty="0"/>
+              <a:t>Incorporate into the query: find instantiations + small model</a:t>
+            </a:r>
+          </a:p>
+          <a:p>
+            <a:r>
+              <a:rPr lang="en-US" dirty="0"/>
+              <a:t>Is it a good idea to use an ADT for instantiations (&gt;1000 constructors)</a:t>
+            </a:r>
+          </a:p>
+          <a:p>
+            <a:r>
+              <a:rPr lang="en-US" dirty="0"/>
+              <a:t>How to encode the models? Relations/functions vs. ITE terms</a:t>
+            </a:r>
+          </a:p>
+          <a:p>
+            <a:r>
+              <a:rPr lang="en-US" dirty="0"/>
+              <a:t>How would cvc5 search for the ADT terms?</a:t>
+            </a:r>
+          </a:p>
+          <a:p>
+            <a:pPr lvl="1"/>
+            <a:r>
+              <a:rPr lang="en-US" dirty="0"/>
+              <a:t>Enumeration by depth?</a:t>
+            </a:r>
+          </a:p>
+          <a:p>
+            <a:pPr lvl="1"/>
+            <a:r>
+              <a:rPr lang="en-US" dirty="0"/>
+              <a:t>Clever heuristics?</a:t>
+            </a:r>
+          </a:p>
+          <a:p>
+            <a:pPr lvl="1"/>
+            <a:endParaRPr lang="en-US" dirty="0"/>
+          </a:p>
+          <a:p>
+            <a:endParaRPr lang="en-US" dirty="0"/>
+          </a:p>
+          <a:p>
+            <a:endParaRPr lang="en-US" dirty="0"/>
+          </a:p>
+        </p:txBody>
+      </p:sp>
+    </p:spTree>
+    <p:extLst>
+      <p:ext uri="{BB962C8B-B14F-4D97-AF65-F5344CB8AC3E}">
+        <p14:creationId xmlns:p14="http://schemas.microsoft.com/office/powerpoint/2010/main" val="1225869373"/>
       </p:ext>
     </p:extLst>
   </p:cSld>

--- a/slides/ideas-Dec22.pptx
+++ b/slides/ideas-Dec22.pptx
@@ -11,6 +11,7 @@
     <p:sldId id="258" r:id="rId5"/>
     <p:sldId id="259" r:id="rId6"/>
     <p:sldId id="260" r:id="rId7"/>
+    <p:sldId id="262" r:id="rId8"/>
   </p:sldIdLst>
   <p:sldSz cx="12192000" cy="6858000"/>
   <p:notesSz cx="6858000" cy="9144000"/>
@@ -266,7 +267,7 @@
           <a:p>
             <a:fld id="{2D3E7AC2-D338-6F41-9A75-0952A2050666}" type="datetimeFigureOut">
               <a:rPr lang="en-US" smtClean="0"/>
-              <a:t>12/1/22</a:t>
+              <a:t>12/13/22</a:t>
             </a:fld>
             <a:endParaRPr lang="en-US"/>
           </a:p>
@@ -466,7 +467,7 @@
           <a:p>
             <a:fld id="{2D3E7AC2-D338-6F41-9A75-0952A2050666}" type="datetimeFigureOut">
               <a:rPr lang="en-US" smtClean="0"/>
-              <a:t>12/1/22</a:t>
+              <a:t>12/13/22</a:t>
             </a:fld>
             <a:endParaRPr lang="en-US"/>
           </a:p>
@@ -676,7 +677,7 @@
           <a:p>
             <a:fld id="{2D3E7AC2-D338-6F41-9A75-0952A2050666}" type="datetimeFigureOut">
               <a:rPr lang="en-US" smtClean="0"/>
-              <a:t>12/1/22</a:t>
+              <a:t>12/13/22</a:t>
             </a:fld>
             <a:endParaRPr lang="en-US"/>
           </a:p>
@@ -876,7 +877,7 @@
           <a:p>
             <a:fld id="{2D3E7AC2-D338-6F41-9A75-0952A2050666}" type="datetimeFigureOut">
               <a:rPr lang="en-US" smtClean="0"/>
-              <a:t>12/1/22</a:t>
+              <a:t>12/13/22</a:t>
             </a:fld>
             <a:endParaRPr lang="en-US"/>
           </a:p>
@@ -1152,7 +1153,7 @@
           <a:p>
             <a:fld id="{2D3E7AC2-D338-6F41-9A75-0952A2050666}" type="datetimeFigureOut">
               <a:rPr lang="en-US" smtClean="0"/>
-              <a:t>12/1/22</a:t>
+              <a:t>12/13/22</a:t>
             </a:fld>
             <a:endParaRPr lang="en-US"/>
           </a:p>
@@ -1420,7 +1421,7 @@
           <a:p>
             <a:fld id="{2D3E7AC2-D338-6F41-9A75-0952A2050666}" type="datetimeFigureOut">
               <a:rPr lang="en-US" smtClean="0"/>
-              <a:t>12/1/22</a:t>
+              <a:t>12/13/22</a:t>
             </a:fld>
             <a:endParaRPr lang="en-US"/>
           </a:p>
@@ -1835,7 +1836,7 @@
           <a:p>
             <a:fld id="{2D3E7AC2-D338-6F41-9A75-0952A2050666}" type="datetimeFigureOut">
               <a:rPr lang="en-US" smtClean="0"/>
-              <a:t>12/1/22</a:t>
+              <a:t>12/13/22</a:t>
             </a:fld>
             <a:endParaRPr lang="en-US"/>
           </a:p>
@@ -1977,7 +1978,7 @@
           <a:p>
             <a:fld id="{2D3E7AC2-D338-6F41-9A75-0952A2050666}" type="datetimeFigureOut">
               <a:rPr lang="en-US" smtClean="0"/>
-              <a:t>12/1/22</a:t>
+              <a:t>12/13/22</a:t>
             </a:fld>
             <a:endParaRPr lang="en-US"/>
           </a:p>
@@ -2090,7 +2091,7 @@
           <a:p>
             <a:fld id="{2D3E7AC2-D338-6F41-9A75-0952A2050666}" type="datetimeFigureOut">
               <a:rPr lang="en-US" smtClean="0"/>
-              <a:t>12/1/22</a:t>
+              <a:t>12/13/22</a:t>
             </a:fld>
             <a:endParaRPr lang="en-US"/>
           </a:p>
@@ -2403,7 +2404,7 @@
           <a:p>
             <a:fld id="{2D3E7AC2-D338-6F41-9A75-0952A2050666}" type="datetimeFigureOut">
               <a:rPr lang="en-US" smtClean="0"/>
-              <a:t>12/1/22</a:t>
+              <a:t>12/13/22</a:t>
             </a:fld>
             <a:endParaRPr lang="en-US"/>
           </a:p>
@@ -2692,7 +2693,7 @@
           <a:p>
             <a:fld id="{2D3E7AC2-D338-6F41-9A75-0952A2050666}" type="datetimeFigureOut">
               <a:rPr lang="en-US" smtClean="0"/>
-              <a:t>12/1/22</a:t>
+              <a:t>12/13/22</a:t>
             </a:fld>
             <a:endParaRPr lang="en-US"/>
           </a:p>
@@ -2935,7 +2936,7 @@
           <a:p>
             <a:fld id="{2D3E7AC2-D338-6F41-9A75-0952A2050666}" type="datetimeFigureOut">
               <a:rPr lang="en-US" smtClean="0"/>
-              <a:t>12/1/22</a:t>
+              <a:t>12/13/22</a:t>
             </a:fld>
             <a:endParaRPr lang="en-US"/>
           </a:p>
@@ -4825,8 +4826,8 @@
           </a:graphicData>
         </a:graphic>
       </p:graphicFrame>
-      <mc:AlternateContent xmlns:mc="http://schemas.openxmlformats.org/markup-compatibility/2006">
-        <mc:Choice xmlns:a14="http://schemas.microsoft.com/office/drawing/2010/main" Requires="a14">
+      <mc:AlternateContent xmlns:mc="http://schemas.openxmlformats.org/markup-compatibility/2006" xmlns:a14="http://schemas.microsoft.com/office/drawing/2010/main">
+        <mc:Choice Requires="a14">
           <p:sp>
             <p:nvSpPr>
               <p:cNvPr id="6" name="TextBox 5">
@@ -4873,7 +4874,7 @@
             </p:txBody>
           </p:sp>
         </mc:Choice>
-        <mc:Fallback>
+        <mc:Fallback xmlns="">
           <p:sp>
             <p:nvSpPr>
               <p:cNvPr id="6" name="TextBox 5">
@@ -8287,6 +8288,201 @@
 </p:sld>
 </file>
 
+<file path=ppt/slides/slide7.xml><?xml version="1.0" encoding="utf-8"?>
+<p:sld xmlns:a="http://schemas.openxmlformats.org/drawingml/2006/main" xmlns:r="http://schemas.openxmlformats.org/officeDocument/2006/relationships" xmlns:p="http://schemas.openxmlformats.org/presentationml/2006/main">
+  <p:cSld>
+    <p:spTree>
+      <p:nvGrpSpPr>
+        <p:cNvPr id="1" name=""/>
+        <p:cNvGrpSpPr/>
+        <p:nvPr/>
+      </p:nvGrpSpPr>
+      <p:grpSpPr>
+        <a:xfrm>
+          <a:off x="0" y="0"/>
+          <a:ext cx="0" cy="0"/>
+          <a:chOff x="0" y="0"/>
+          <a:chExt cx="0" cy="0"/>
+        </a:xfrm>
+      </p:grpSpPr>
+      <p:sp>
+        <p:nvSpPr>
+          <p:cNvPr id="2" name="Title 1">
+            <a:extLst>
+              <a:ext uri="{FF2B5EF4-FFF2-40B4-BE49-F238E27FC236}">
+                <a16:creationId xmlns:a16="http://schemas.microsoft.com/office/drawing/2014/main" id="{4A0F99DA-DF79-F813-1FE0-2AAD0EA4EB54}"/>
+              </a:ext>
+            </a:extLst>
+          </p:cNvPr>
+          <p:cNvSpPr>
+            <a:spLocks noGrp="1"/>
+          </p:cNvSpPr>
+          <p:nvPr>
+            <p:ph type="title"/>
+          </p:nvPr>
+        </p:nvSpPr>
+        <p:spPr/>
+        <p:txBody>
+          <a:bodyPr/>
+          <a:lstStyle/>
+          <a:p>
+            <a:endParaRPr lang="en-US"/>
+          </a:p>
+        </p:txBody>
+      </p:sp>
+      <p:sp>
+        <p:nvSpPr>
+          <p:cNvPr id="3" name="Content Placeholder 2">
+            <a:extLst>
+              <a:ext uri="{FF2B5EF4-FFF2-40B4-BE49-F238E27FC236}">
+                <a16:creationId xmlns:a16="http://schemas.microsoft.com/office/drawing/2014/main" id="{810F7DF6-0D1E-B201-0D32-69347CE8AE63}"/>
+              </a:ext>
+            </a:extLst>
+          </p:cNvPr>
+          <p:cNvSpPr>
+            <a:spLocks noGrp="1"/>
+          </p:cNvSpPr>
+          <p:nvPr>
+            <p:ph idx="1"/>
+          </p:nvPr>
+        </p:nvSpPr>
+        <p:spPr/>
+        <p:txBody>
+          <a:bodyPr>
+            <a:normAutofit fontScale="92500" lnSpcReduction="20000"/>
+          </a:bodyPr>
+          <a:lstStyle/>
+          <a:p>
+            <a:r>
+              <a:rPr lang="en-US" dirty="0"/>
+              <a:t>Quantified axioms: </a:t>
+            </a:r>
+            <a:r>
+              <a:rPr lang="en-US" dirty="0" err="1"/>
+              <a:t>forall</a:t>
+            </a:r>
+            <a:r>
+              <a:rPr lang="en-US" dirty="0"/>
+              <a:t> x: A1; … </a:t>
+            </a:r>
+            <a:r>
+              <a:rPr lang="en-US" dirty="0" err="1"/>
+              <a:t>forall</a:t>
+            </a:r>
+            <a:r>
+              <a:rPr lang="en-US" dirty="0"/>
+              <a:t> x: An</a:t>
+            </a:r>
+          </a:p>
+          <a:p>
+            <a:pPr lvl="1"/>
+            <a:r>
+              <a:rPr lang="en-US" dirty="0"/>
+              <a:t>Have only an infinite model</a:t>
+            </a:r>
+          </a:p>
+          <a:p>
+            <a:r>
+              <a:rPr lang="en-US" dirty="0"/>
+              <a:t>Quantified free: phi</a:t>
+            </a:r>
+          </a:p>
+          <a:p>
+            <a:r>
+              <a:rPr lang="en-US" dirty="0"/>
+              <a:t>Hypothesis: phi &amp;&amp; A_i1[t1] &amp;&amp; … &amp;&amp; </a:t>
+            </a:r>
+            <a:r>
+              <a:rPr lang="en-US" dirty="0" err="1"/>
+              <a:t>A_im</a:t>
+            </a:r>
+            <a:r>
+              <a:rPr lang="en-US" dirty="0"/>
+              <a:t>[tm] </a:t>
+            </a:r>
+            <a:r>
+              <a:rPr lang="en-US" dirty="0" err="1"/>
+              <a:t>unsat</a:t>
+            </a:r>
+            <a:endParaRPr lang="en-US" dirty="0"/>
+          </a:p>
+          <a:p>
+            <a:pPr lvl="1"/>
+            <a:r>
+              <a:rPr lang="en-US" dirty="0"/>
+              <a:t>A_i1[t1] &amp;&amp; … &amp;&amp; </a:t>
+            </a:r>
+            <a:r>
+              <a:rPr lang="en-US" dirty="0" err="1"/>
+              <a:t>A_im</a:t>
+            </a:r>
+            <a:r>
+              <a:rPr lang="en-US" dirty="0"/>
+              <a:t>[tm] sat with model of size &lt;= 3</a:t>
+            </a:r>
+          </a:p>
+          <a:p>
+            <a:r>
+              <a:rPr lang="en-US" dirty="0"/>
+              <a:t>Initially empty set of models SM, empty set of instantiations SI</a:t>
+            </a:r>
+          </a:p>
+          <a:p>
+            <a:r>
+              <a:rPr lang="en-US" dirty="0"/>
+              <a:t>While phi &amp;&amp; SI is sat:</a:t>
+            </a:r>
+          </a:p>
+          <a:p>
+            <a:pPr lvl="1"/>
+            <a:r>
+              <a:rPr lang="en-US" dirty="0"/>
+              <a:t>Get model M for phi &amp;&amp; SI and add to SM</a:t>
+            </a:r>
+          </a:p>
+          <a:p>
+            <a:pPr lvl="1"/>
+            <a:r>
+              <a:rPr lang="en-US" dirty="0"/>
+              <a:t>Find a small set of instantiations SI’ such that for every model M in SM there exists some instantiation I in SI’ such that M violates I, </a:t>
+            </a:r>
+          </a:p>
+          <a:p>
+            <a:pPr lvl="2"/>
+            <a:r>
+              <a:rPr lang="en-US" dirty="0"/>
+              <a:t>And SI’ have a small model</a:t>
+            </a:r>
+          </a:p>
+          <a:p>
+            <a:pPr lvl="2"/>
+            <a:r>
+              <a:rPr lang="en-US" dirty="0"/>
+              <a:t>And SI U SI’ have a small model</a:t>
+            </a:r>
+          </a:p>
+          <a:p>
+            <a:pPr lvl="1"/>
+            <a:r>
+              <a:rPr lang="en-US" dirty="0"/>
+              <a:t>Add SI’ to SI</a:t>
+            </a:r>
+          </a:p>
+        </p:txBody>
+      </p:sp>
+    </p:spTree>
+    <p:extLst>
+      <p:ext uri="{BB962C8B-B14F-4D97-AF65-F5344CB8AC3E}">
+        <p14:creationId xmlns:p14="http://schemas.microsoft.com/office/powerpoint/2010/main" val="3894612845"/>
+      </p:ext>
+    </p:extLst>
+  </p:cSld>
+  <p:clrMapOvr>
+    <a:masterClrMapping/>
+  </p:clrMapOvr>
+</p:sld>
+</file>
+
 <file path=ppt/theme/theme1.xml><?xml version="1.0" encoding="utf-8"?>
 <a:theme xmlns:a="http://schemas.openxmlformats.org/drawingml/2006/main" name="Office Theme">
   <a:themeElements>

--- a/slides/ideas-Dec22.pptx
+++ b/slides/ideas-Dec22.pptx
@@ -267,7 +267,7 @@
           <a:p>
             <a:fld id="{2D3E7AC2-D338-6F41-9A75-0952A2050666}" type="datetimeFigureOut">
               <a:rPr lang="en-US" smtClean="0"/>
-              <a:t>12/13/22</a:t>
+              <a:t>2/28/23</a:t>
             </a:fld>
             <a:endParaRPr lang="en-US"/>
           </a:p>
@@ -467,7 +467,7 @@
           <a:p>
             <a:fld id="{2D3E7AC2-D338-6F41-9A75-0952A2050666}" type="datetimeFigureOut">
               <a:rPr lang="en-US" smtClean="0"/>
-              <a:t>12/13/22</a:t>
+              <a:t>2/28/23</a:t>
             </a:fld>
             <a:endParaRPr lang="en-US"/>
           </a:p>
@@ -677,7 +677,7 @@
           <a:p>
             <a:fld id="{2D3E7AC2-D338-6F41-9A75-0952A2050666}" type="datetimeFigureOut">
               <a:rPr lang="en-US" smtClean="0"/>
-              <a:t>12/13/22</a:t>
+              <a:t>2/28/23</a:t>
             </a:fld>
             <a:endParaRPr lang="en-US"/>
           </a:p>
@@ -877,7 +877,7 @@
           <a:p>
             <a:fld id="{2D3E7AC2-D338-6F41-9A75-0952A2050666}" type="datetimeFigureOut">
               <a:rPr lang="en-US" smtClean="0"/>
-              <a:t>12/13/22</a:t>
+              <a:t>2/28/23</a:t>
             </a:fld>
             <a:endParaRPr lang="en-US"/>
           </a:p>
@@ -1153,7 +1153,7 @@
           <a:p>
             <a:fld id="{2D3E7AC2-D338-6F41-9A75-0952A2050666}" type="datetimeFigureOut">
               <a:rPr lang="en-US" smtClean="0"/>
-              <a:t>12/13/22</a:t>
+              <a:t>2/28/23</a:t>
             </a:fld>
             <a:endParaRPr lang="en-US"/>
           </a:p>
@@ -1421,7 +1421,7 @@
           <a:p>
             <a:fld id="{2D3E7AC2-D338-6F41-9A75-0952A2050666}" type="datetimeFigureOut">
               <a:rPr lang="en-US" smtClean="0"/>
-              <a:t>12/13/22</a:t>
+              <a:t>2/28/23</a:t>
             </a:fld>
             <a:endParaRPr lang="en-US"/>
           </a:p>
@@ -1836,7 +1836,7 @@
           <a:p>
             <a:fld id="{2D3E7AC2-D338-6F41-9A75-0952A2050666}" type="datetimeFigureOut">
               <a:rPr lang="en-US" smtClean="0"/>
-              <a:t>12/13/22</a:t>
+              <a:t>2/28/23</a:t>
             </a:fld>
             <a:endParaRPr lang="en-US"/>
           </a:p>
@@ -1978,7 +1978,7 @@
           <a:p>
             <a:fld id="{2D3E7AC2-D338-6F41-9A75-0952A2050666}" type="datetimeFigureOut">
               <a:rPr lang="en-US" smtClean="0"/>
-              <a:t>12/13/22</a:t>
+              <a:t>2/28/23</a:t>
             </a:fld>
             <a:endParaRPr lang="en-US"/>
           </a:p>
@@ -2091,7 +2091,7 @@
           <a:p>
             <a:fld id="{2D3E7AC2-D338-6F41-9A75-0952A2050666}" type="datetimeFigureOut">
               <a:rPr lang="en-US" smtClean="0"/>
-              <a:t>12/13/22</a:t>
+              <a:t>2/28/23</a:t>
             </a:fld>
             <a:endParaRPr lang="en-US"/>
           </a:p>
@@ -2404,7 +2404,7 @@
           <a:p>
             <a:fld id="{2D3E7AC2-D338-6F41-9A75-0952A2050666}" type="datetimeFigureOut">
               <a:rPr lang="en-US" smtClean="0"/>
-              <a:t>12/13/22</a:t>
+              <a:t>2/28/23</a:t>
             </a:fld>
             <a:endParaRPr lang="en-US"/>
           </a:p>
@@ -2693,7 +2693,7 @@
           <a:p>
             <a:fld id="{2D3E7AC2-D338-6F41-9A75-0952A2050666}" type="datetimeFigureOut">
               <a:rPr lang="en-US" smtClean="0"/>
-              <a:t>12/13/22</a:t>
+              <a:t>2/28/23</a:t>
             </a:fld>
             <a:endParaRPr lang="en-US"/>
           </a:p>
@@ -2936,7 +2936,7 @@
           <a:p>
             <a:fld id="{2D3E7AC2-D338-6F41-9A75-0952A2050666}" type="datetimeFigureOut">
               <a:rPr lang="en-US" smtClean="0"/>
-              <a:t>12/13/22</a:t>
+              <a:t>2/28/23</a:t>
             </a:fld>
             <a:endParaRPr lang="en-US"/>
           </a:p>
